--- a/Presentation.pptx
+++ b/Presentation.pptx
@@ -801,10 +801,40 @@
   <pc:docChgLst>
     <pc:chgData name="Simonson, James D" userId="f79eb939-dee0-489c-8e52-351148741b5d" providerId="ADAL" clId="{94FFD652-BF8C-4E98-BF50-9630979D9FD9}"/>
     <pc:docChg chg="undo redo custSel addSld modSld sldOrd">
-      <pc:chgData name="Simonson, James D" userId="f79eb939-dee0-489c-8e52-351148741b5d" providerId="ADAL" clId="{94FFD652-BF8C-4E98-BF50-9630979D9FD9}" dt="2024-04-22T16:40:35.649" v="3712" actId="20577"/>
+      <pc:chgData name="Simonson, James D" userId="f79eb939-dee0-489c-8e52-351148741b5d" providerId="ADAL" clId="{94FFD652-BF8C-4E98-BF50-9630979D9FD9}" dt="2024-04-22T16:58:32.651" v="3736" actId="20577"/>
       <pc:docMkLst>
         <pc:docMk/>
       </pc:docMkLst>
+      <pc:sldChg chg="modSp mod">
+        <pc:chgData name="Simonson, James D" userId="f79eb939-dee0-489c-8e52-351148741b5d" providerId="ADAL" clId="{94FFD652-BF8C-4E98-BF50-9630979D9FD9}" dt="2024-04-22T16:58:20.779" v="3715" actId="21"/>
+        <pc:sldMkLst>
+          <pc:docMk/>
+          <pc:sldMk cId="109857222" sldId="256"/>
+        </pc:sldMkLst>
+        <pc:spChg chg="mod">
+          <ac:chgData name="Simonson, James D" userId="f79eb939-dee0-489c-8e52-351148741b5d" providerId="ADAL" clId="{94FFD652-BF8C-4E98-BF50-9630979D9FD9}" dt="2024-04-22T16:58:20.779" v="3715" actId="21"/>
+          <ac:spMkLst>
+            <pc:docMk/>
+            <pc:sldMk cId="109857222" sldId="256"/>
+            <ac:spMk id="2" creationId="{00000000-0000-0000-0000-000000000000}"/>
+          </ac:spMkLst>
+        </pc:spChg>
+      </pc:sldChg>
+      <pc:sldChg chg="modSp mod">
+        <pc:chgData name="Simonson, James D" userId="f79eb939-dee0-489c-8e52-351148741b5d" providerId="ADAL" clId="{94FFD652-BF8C-4E98-BF50-9630979D9FD9}" dt="2024-04-22T16:58:32.651" v="3736" actId="20577"/>
+        <pc:sldMkLst>
+          <pc:docMk/>
+          <pc:sldMk cId="2978437522" sldId="257"/>
+        </pc:sldMkLst>
+        <pc:spChg chg="mod">
+          <ac:chgData name="Simonson, James D" userId="f79eb939-dee0-489c-8e52-351148741b5d" providerId="ADAL" clId="{94FFD652-BF8C-4E98-BF50-9630979D9FD9}" dt="2024-04-22T16:58:32.651" v="3736" actId="20577"/>
+          <ac:spMkLst>
+            <pc:docMk/>
+            <pc:sldMk cId="2978437522" sldId="257"/>
+            <ac:spMk id="2" creationId="{A450D18F-EC7E-245F-7F95-482914D03BC1}"/>
+          </ac:spMkLst>
+        </pc:spChg>
+      </pc:sldChg>
       <pc:sldChg chg="modSp mod">
         <pc:chgData name="Simonson, James D" userId="f79eb939-dee0-489c-8e52-351148741b5d" providerId="ADAL" clId="{94FFD652-BF8C-4E98-BF50-9630979D9FD9}" dt="2024-04-22T16:20:19.378" v="2610" actId="20577"/>
         <pc:sldMkLst>
@@ -13742,7 +13772,7 @@
           <a:p>
             <a:r>
               <a:rPr lang="en-US" dirty="0"/>
-              <a:t>Sleep vs. Screen Time</a:t>
+              <a:t>Screen Time vs. Shut-eye</a:t>
             </a:r>
             <a:br>
               <a:rPr lang="en-US" dirty="0"/>
@@ -14408,8 +14438,13 @@
           <a:p>
             <a:r>
               <a:rPr lang="en-US" dirty="0"/>
-              <a:t>Screen Time vs. Shut-eye</a:t>
+              <a:t>Sleep Hours vs. </a:t>
             </a:r>
+            <a:r>
+              <a:rPr lang="en-US"/>
+              <a:t>Computer Hours</a:t>
+            </a:r>
+            <a:endParaRPr lang="en-US" dirty="0"/>
           </a:p>
         </p:txBody>
       </p:sp>

--- a/Presentation.pptx
+++ b/Presentation.pptx
@@ -125,7 +125,7 @@
 <file path=ppt/revisionInfo.xml><?xml version="1.0" encoding="utf-8"?>
 <p1510:revInfo xmlns:a="http://schemas.openxmlformats.org/drawingml/2006/main" xmlns:r="http://schemas.openxmlformats.org/officeDocument/2006/relationships" xmlns:p1510="http://schemas.microsoft.com/office/powerpoint/2015/10/main">
   <p1510:revLst>
-    <p1510:client id="{94FFD652-BF8C-4E98-BF50-9630979D9FD9}" v="42" dt="2024-04-22T16:33:35.156"/>
+    <p1510:client id="{94FFD652-BF8C-4E98-BF50-9630979D9FD9}" v="45" dt="2024-04-22T17:01:56.543"/>
     <p1510:client id="{FC1A06E3-86E6-F29A-855C-4354E65C868F}" v="539" dt="2024-04-22T15:37:21.598"/>
   </p1510:revLst>
 </p1510:revInfo>
@@ -801,12 +801,12 @@
   <pc:docChgLst>
     <pc:chgData name="Simonson, James D" userId="f79eb939-dee0-489c-8e52-351148741b5d" providerId="ADAL" clId="{94FFD652-BF8C-4E98-BF50-9630979D9FD9}"/>
     <pc:docChg chg="undo redo custSel addSld modSld sldOrd">
-      <pc:chgData name="Simonson, James D" userId="f79eb939-dee0-489c-8e52-351148741b5d" providerId="ADAL" clId="{94FFD652-BF8C-4E98-BF50-9630979D9FD9}" dt="2024-04-22T16:58:32.651" v="3736" actId="20577"/>
+      <pc:chgData name="Simonson, James D" userId="f79eb939-dee0-489c-8e52-351148741b5d" providerId="ADAL" clId="{94FFD652-BF8C-4E98-BF50-9630979D9FD9}" dt="2024-04-22T17:02:04.828" v="3760" actId="1076"/>
       <pc:docMkLst>
         <pc:docMk/>
       </pc:docMkLst>
-      <pc:sldChg chg="modSp mod">
-        <pc:chgData name="Simonson, James D" userId="f79eb939-dee0-489c-8e52-351148741b5d" providerId="ADAL" clId="{94FFD652-BF8C-4E98-BF50-9630979D9FD9}" dt="2024-04-22T16:58:20.779" v="3715" actId="21"/>
+      <pc:sldChg chg="addSp delSp modSp mod">
+        <pc:chgData name="Simonson, James D" userId="f79eb939-dee0-489c-8e52-351148741b5d" providerId="ADAL" clId="{94FFD652-BF8C-4E98-BF50-9630979D9FD9}" dt="2024-04-22T17:01:11.982" v="3755" actId="21"/>
         <pc:sldMkLst>
           <pc:docMk/>
           <pc:sldMk cId="109857222" sldId="256"/>
@@ -817,6 +817,22 @@
             <pc:docMk/>
             <pc:sldMk cId="109857222" sldId="256"/>
             <ac:spMk id="2" creationId="{00000000-0000-0000-0000-000000000000}"/>
+          </ac:spMkLst>
+        </pc:spChg>
+        <pc:spChg chg="mod">
+          <ac:chgData name="Simonson, James D" userId="f79eb939-dee0-489c-8e52-351148741b5d" providerId="ADAL" clId="{94FFD652-BF8C-4E98-BF50-9630979D9FD9}" dt="2024-04-22T17:00:45.072" v="3744" actId="14100"/>
+          <ac:spMkLst>
+            <pc:docMk/>
+            <pc:sldMk cId="109857222" sldId="256"/>
+            <ac:spMk id="3" creationId="{00000000-0000-0000-0000-000000000000}"/>
+          </ac:spMkLst>
+        </pc:spChg>
+        <pc:spChg chg="add del mod">
+          <ac:chgData name="Simonson, James D" userId="f79eb939-dee0-489c-8e52-351148741b5d" providerId="ADAL" clId="{94FFD652-BF8C-4E98-BF50-9630979D9FD9}" dt="2024-04-22T17:01:11.982" v="3755" actId="21"/>
+          <ac:spMkLst>
+            <pc:docMk/>
+            <pc:sldMk cId="109857222" sldId="256"/>
+            <ac:spMk id="5" creationId="{5ABEC192-F3D0-2EF1-85F4-ED21D05D265F}"/>
           </ac:spMkLst>
         </pc:spChg>
       </pc:sldChg>
@@ -1332,7 +1348,7 @@
         </pc:picChg>
       </pc:sldChg>
       <pc:sldChg chg="addSp delSp modSp new mod modClrScheme chgLayout">
-        <pc:chgData name="Simonson, James D" userId="f79eb939-dee0-489c-8e52-351148741b5d" providerId="ADAL" clId="{94FFD652-BF8C-4E98-BF50-9630979D9FD9}" dt="2024-04-22T16:37:04.544" v="3484" actId="20577"/>
+        <pc:chgData name="Simonson, James D" userId="f79eb939-dee0-489c-8e52-351148741b5d" providerId="ADAL" clId="{94FFD652-BF8C-4E98-BF50-9630979D9FD9}" dt="2024-04-22T17:02:04.828" v="3760" actId="1076"/>
         <pc:sldMkLst>
           <pc:docMk/>
           <pc:sldMk cId="2991269363" sldId="266"/>
@@ -1343,6 +1359,14 @@
             <pc:docMk/>
             <pc:sldMk cId="2991269363" sldId="266"/>
             <ac:spMk id="2" creationId="{328F090E-7AD1-E473-6BCD-ACF82003343E}"/>
+          </ac:spMkLst>
+        </pc:spChg>
+        <pc:spChg chg="add mod">
+          <ac:chgData name="Simonson, James D" userId="f79eb939-dee0-489c-8e52-351148741b5d" providerId="ADAL" clId="{94FFD652-BF8C-4E98-BF50-9630979D9FD9}" dt="2024-04-22T17:02:04.828" v="3760" actId="1076"/>
+          <ac:spMkLst>
+            <pc:docMk/>
+            <pc:sldMk cId="2991269363" sldId="266"/>
+            <ac:spMk id="2" creationId="{5ABEC192-F3D0-2EF1-85F4-ED21D05D265F}"/>
           </ac:spMkLst>
         </pc:spChg>
         <pc:spChg chg="del mod ord">
@@ -13800,7 +13824,12 @@
             <p:ph type="subTitle" idx="1"/>
           </p:nvPr>
         </p:nvSpPr>
-        <p:spPr/>
+        <p:spPr>
+          <a:xfrm>
+            <a:off x="1154955" y="4777380"/>
+            <a:ext cx="8825658" cy="442690"/>
+          </a:xfrm>
+        </p:spPr>
         <p:txBody>
           <a:bodyPr/>
           <a:lstStyle/>
@@ -13809,6 +13838,12 @@
               <a:rPr lang="en-US" dirty="0"/>
               <a:t>By: James Simonson</a:t>
             </a:r>
+          </a:p>
+          <a:p>
+            <a:endParaRPr lang="en-US" dirty="0"/>
+          </a:p>
+          <a:p>
+            <a:endParaRPr lang="en-US" dirty="0"/>
           </a:p>
         </p:txBody>
       </p:sp>
@@ -14382,6 +14417,44 @@
               <a:t>11</a:t>
             </a:fld>
             <a:endParaRPr lang="en-US" dirty="0"/>
+          </a:p>
+        </p:txBody>
+      </p:sp>
+      <p:sp>
+        <p:nvSpPr>
+          <p:cNvPr id="2" name="TextBox 1">
+            <a:extLst>
+              <a:ext uri="{FF2B5EF4-FFF2-40B4-BE49-F238E27FC236}">
+                <a16:creationId xmlns:a16="http://schemas.microsoft.com/office/drawing/2014/main" id="{5ABEC192-F3D0-2EF1-85F4-ED21D05D265F}"/>
+              </a:ext>
+            </a:extLst>
+          </p:cNvPr>
+          <p:cNvSpPr txBox="1"/>
+          <p:nvPr/>
+        </p:nvSpPr>
+        <p:spPr>
+          <a:xfrm>
+            <a:off x="10352540" y="6300661"/>
+            <a:ext cx="1118584" cy="261610"/>
+          </a:xfrm>
+          <a:prstGeom prst="rect">
+            <a:avLst/>
+          </a:prstGeom>
+          <a:noFill/>
+        </p:spPr>
+        <p:txBody>
+          <a:bodyPr wrap="square" rtlCol="0">
+            <a:spAutoFit/>
+          </a:bodyPr>
+          <a:lstStyle/>
+          <a:p>
+            <a:r>
+              <a:rPr lang="en-US" sz="1100" dirty="0">
+                <a:hlinkClick r:id="rId2"/>
+              </a:rPr>
+              <a:t>GitHub Link</a:t>
+            </a:r>
+            <a:endParaRPr lang="en-US" sz="1100" dirty="0"/>
           </a:p>
         </p:txBody>
       </p:sp>
